--- a/Appendixes/Introduction_Conclusion.pptx
+++ b/Appendixes/Introduction_Conclusion.pptx
@@ -301,7 +301,7 @@
           <a:p>
             <a:fld id="{7A847CFC-816F-41D0-AAC0-9BF4FEBC753E}" type="datetimeFigureOut">
               <a:rPr lang="es-ES" smtClean="0"/>
-              <a:t>19/01/2018</a:t>
+              <a:t>20/01/2018</a:t>
             </a:fld>
             <a:endParaRPr lang="es-ES"/>
           </a:p>
@@ -466,7 +466,7 @@
           <a:p>
             <a:fld id="{7A847CFC-816F-41D0-AAC0-9BF4FEBC753E}" type="datetimeFigureOut">
               <a:rPr lang="es-ES" smtClean="0"/>
-              <a:t>19/01/2018</a:t>
+              <a:t>20/01/2018</a:t>
             </a:fld>
             <a:endParaRPr lang="es-ES"/>
           </a:p>
@@ -641,7 +641,7 @@
           <a:p>
             <a:fld id="{7A847CFC-816F-41D0-AAC0-9BF4FEBC753E}" type="datetimeFigureOut">
               <a:rPr lang="es-ES" smtClean="0"/>
-              <a:t>19/01/2018</a:t>
+              <a:t>20/01/2018</a:t>
             </a:fld>
             <a:endParaRPr lang="es-ES"/>
           </a:p>
@@ -838,7 +838,7 @@
               <a:pPr>
                 <a:defRPr/>
               </a:pPr>
-              <a:t>2018/1/19</a:t>
+              <a:t>2018/1/20</a:t>
             </a:fld>
             <a:endParaRPr lang="zh-CN" altLang="en-US"/>
           </a:p>
@@ -1035,7 +1035,7 @@
               <a:pPr>
                 <a:defRPr/>
               </a:pPr>
-              <a:t>2018/1/19</a:t>
+              <a:t>2018/1/20</a:t>
             </a:fld>
             <a:endParaRPr lang="zh-CN" altLang="en-US"/>
           </a:p>
@@ -1308,7 +1308,7 @@
               <a:pPr>
                 <a:defRPr/>
               </a:pPr>
-              <a:t>2018/1/19</a:t>
+              <a:t>2018/1/20</a:t>
             </a:fld>
             <a:endParaRPr lang="zh-CN" altLang="en-US"/>
           </a:p>
@@ -1567,7 +1567,7 @@
               <a:pPr>
                 <a:defRPr/>
               </a:pPr>
-              <a:t>2018/1/19</a:t>
+              <a:t>2018/1/20</a:t>
             </a:fld>
             <a:endParaRPr lang="zh-CN" altLang="en-US"/>
           </a:p>
@@ -1961,7 +1961,7 @@
               <a:pPr>
                 <a:defRPr/>
               </a:pPr>
-              <a:t>2018/1/19</a:t>
+              <a:t>2018/1/20</a:t>
             </a:fld>
             <a:endParaRPr lang="zh-CN" altLang="en-US"/>
           </a:p>
@@ -2106,7 +2106,7 @@
               <a:pPr>
                 <a:defRPr/>
               </a:pPr>
-              <a:t>2018/1/19</a:t>
+              <a:t>2018/1/20</a:t>
             </a:fld>
             <a:endParaRPr lang="zh-CN" altLang="en-US"/>
           </a:p>
@@ -2228,7 +2228,7 @@
               <a:pPr>
                 <a:defRPr/>
               </a:pPr>
-              <a:t>2018/1/19</a:t>
+              <a:t>2018/1/20</a:t>
             </a:fld>
             <a:endParaRPr lang="zh-CN" altLang="en-US"/>
           </a:p>
@@ -2509,7 +2509,7 @@
               <a:pPr>
                 <a:defRPr/>
               </a:pPr>
-              <a:t>2018/1/19</a:t>
+              <a:t>2018/1/20</a:t>
             </a:fld>
             <a:endParaRPr lang="zh-CN" altLang="en-US"/>
           </a:p>
@@ -2696,7 +2696,7 @@
           <a:p>
             <a:fld id="{7A847CFC-816F-41D0-AAC0-9BF4FEBC753E}" type="datetimeFigureOut">
               <a:rPr lang="es-ES" smtClean="0"/>
-              <a:t>19/01/2018</a:t>
+              <a:t>20/01/2018</a:t>
             </a:fld>
             <a:endParaRPr lang="es-ES"/>
           </a:p>
@@ -2881,7 +2881,7 @@
               <a:pPr>
                 <a:defRPr/>
               </a:pPr>
-              <a:t>2018/1/19</a:t>
+              <a:t>2018/1/20</a:t>
             </a:fld>
             <a:endParaRPr lang="zh-CN" altLang="en-US"/>
           </a:p>
@@ -3060,7 +3060,7 @@
               <a:pPr>
                 <a:defRPr/>
               </a:pPr>
-              <a:t>2018/1/19</a:t>
+              <a:t>2018/1/20</a:t>
             </a:fld>
             <a:endParaRPr lang="zh-CN" altLang="en-US"/>
           </a:p>
@@ -3323,7 +3323,7 @@
           <a:p>
             <a:fld id="{7A847CFC-816F-41D0-AAC0-9BF4FEBC753E}" type="datetimeFigureOut">
               <a:rPr lang="es-ES" smtClean="0"/>
-              <a:t>19/01/2018</a:t>
+              <a:t>20/01/2018</a:t>
             </a:fld>
             <a:endParaRPr lang="es-ES"/>
           </a:p>
@@ -3606,7 +3606,7 @@
           <a:p>
             <a:fld id="{7A847CFC-816F-41D0-AAC0-9BF4FEBC753E}" type="datetimeFigureOut">
               <a:rPr lang="es-ES" smtClean="0"/>
-              <a:t>19/01/2018</a:t>
+              <a:t>20/01/2018</a:t>
             </a:fld>
             <a:endParaRPr lang="es-ES"/>
           </a:p>
@@ -4023,7 +4023,7 @@
           <a:p>
             <a:fld id="{7A847CFC-816F-41D0-AAC0-9BF4FEBC753E}" type="datetimeFigureOut">
               <a:rPr lang="es-ES" smtClean="0"/>
-              <a:t>19/01/2018</a:t>
+              <a:t>20/01/2018</a:t>
             </a:fld>
             <a:endParaRPr lang="es-ES"/>
           </a:p>
@@ -4136,7 +4136,7 @@
           <a:p>
             <a:fld id="{7A847CFC-816F-41D0-AAC0-9BF4FEBC753E}" type="datetimeFigureOut">
               <a:rPr lang="es-ES" smtClean="0"/>
-              <a:t>19/01/2018</a:t>
+              <a:t>20/01/2018</a:t>
             </a:fld>
             <a:endParaRPr lang="es-ES"/>
           </a:p>
@@ -4226,7 +4226,7 @@
           <a:p>
             <a:fld id="{7A847CFC-816F-41D0-AAC0-9BF4FEBC753E}" type="datetimeFigureOut">
               <a:rPr lang="es-ES" smtClean="0"/>
-              <a:t>19/01/2018</a:t>
+              <a:t>20/01/2018</a:t>
             </a:fld>
             <a:endParaRPr lang="es-ES"/>
           </a:p>
@@ -4498,7 +4498,7 @@
           <a:p>
             <a:fld id="{7A847CFC-816F-41D0-AAC0-9BF4FEBC753E}" type="datetimeFigureOut">
               <a:rPr lang="es-ES" smtClean="0"/>
-              <a:t>19/01/2018</a:t>
+              <a:t>20/01/2018</a:t>
             </a:fld>
             <a:endParaRPr lang="es-ES"/>
           </a:p>
@@ -4746,7 +4746,7 @@
           <a:p>
             <a:fld id="{7A847CFC-816F-41D0-AAC0-9BF4FEBC753E}" type="datetimeFigureOut">
               <a:rPr lang="es-ES" smtClean="0"/>
-              <a:t>19/01/2018</a:t>
+              <a:t>20/01/2018</a:t>
             </a:fld>
             <a:endParaRPr lang="es-ES"/>
           </a:p>
@@ -4954,7 +4954,7 @@
           <a:p>
             <a:fld id="{7A847CFC-816F-41D0-AAC0-9BF4FEBC753E}" type="datetimeFigureOut">
               <a:rPr lang="es-ES" smtClean="0"/>
-              <a:t>19/01/2018</a:t>
+              <a:t>20/01/2018</a:t>
             </a:fld>
             <a:endParaRPr lang="es-ES"/>
           </a:p>
@@ -5533,7 +5533,7 @@
                 </a:spcAft>
                 <a:defRPr/>
               </a:pPr>
-              <a:t>2018/1/19</a:t>
+              <a:t>2018/1/20</a:t>
             </a:fld>
             <a:endParaRPr lang="zh-CN" altLang="en-US"/>
           </a:p>
@@ -7232,17 +7232,16 @@
           </a:p>
           <a:p>
             <a:r>
-              <a:rPr lang="es-ES" dirty="0" err="1" smtClean="0"/>
-              <a:t>smthng</a:t>
+              <a:rPr lang="es-ES" dirty="0" smtClean="0"/>
+              <a:t>IMPLEMENTATION</a:t>
             </a:r>
             <a:endParaRPr lang="es-ES" dirty="0"/>
           </a:p>
           <a:p>
             <a:r>
-              <a:rPr lang="es-ES" dirty="0" err="1" smtClean="0"/>
-              <a:t>Reports</a:t>
-            </a:r>
-            <a:endParaRPr lang="es-ES" dirty="0" smtClean="0"/>
+              <a:rPr lang="es-ES" dirty="0" smtClean="0"/>
+              <a:t>PROCESS</a:t>
+            </a:r>
           </a:p>
           <a:p>
             <a:r>
